--- a/cusppt/spark.pptx
+++ b/cusppt/spark.pptx
@@ -5381,11 +5381,7 @@
             <a:pPr lvl="1"/>
             <a:r>
               <a:rPr lang="en-US" altLang="zh-CN"/>
-              <a:t>spark-submit --master yarn-cluster --class z</a:t>
-            </a:r>
-            <a:r>
-              <a:rPr lang="en-US" altLang="zh-CN"/>
-              <a:t>.y.x.jar</a:t>
+              <a:t>spark-submit --master yarn-cluster --class z.y.x.jar</a:t>
             </a:r>
             <a:endParaRPr lang="en-US" altLang="zh-CN"/>
           </a:p>
@@ -5550,11 +5546,7 @@
             </a:r>
             <a:r>
               <a:rPr lang="en-US" altLang="zh-CN"/>
-              <a:t>200</a:t>
-            </a:r>
-            <a:r>
-              <a:rPr lang="en-US" altLang="zh-CN"/>
-              <a:t>)</a:t>
+              <a:t>200)</a:t>
             </a:r>
             <a:endParaRPr lang="en-US" altLang="zh-CN"/>
           </a:p>
@@ -5582,11 +5574,7 @@
             </a:r>
             <a:r>
               <a:rPr lang="en-US" altLang="zh-CN"/>
-              <a:t>128M</a:t>
-            </a:r>
-            <a:r>
-              <a:rPr lang="en-US" altLang="zh-CN"/>
-              <a:t>)</a:t>
+              <a:t>128M)</a:t>
             </a:r>
             <a:endParaRPr lang="en-US" altLang="zh-CN"/>
           </a:p>
@@ -5626,11 +5614,7 @@
             </a:r>
             <a:r>
               <a:rPr lang="en-US" altLang="zh-CN"/>
-              <a:t>10485760(10M)</a:t>
-            </a:r>
-            <a:r>
-              <a:rPr lang="en-US" altLang="zh-CN"/>
-              <a:t>)</a:t>
+              <a:t>10485760(10M))</a:t>
             </a:r>
             <a:endParaRPr lang="en-US" altLang="zh-CN"/>
           </a:p>
@@ -5711,7 +5695,7 @@
             <a:pPr lvl="1"/>
             <a:r>
               <a:rPr lang="zh-CN" altLang="en-US"/>
-              <a:t>流失</a:t>
+              <a:t>流式</a:t>
             </a:r>
             <a:r>
               <a:rPr lang="en-US" altLang="zh-CN"/>

--- a/cusppt/spark.pptx
+++ b/cusppt/spark.pptx
@@ -30,6 +30,14 @@
     <p:sldId id="280" r:id="rId23"/>
     <p:sldId id="281" r:id="rId24"/>
     <p:sldId id="282" r:id="rId25"/>
+    <p:sldId id="283" r:id="rId26"/>
+    <p:sldId id="284" r:id="rId27"/>
+    <p:sldId id="285" r:id="rId28"/>
+    <p:sldId id="286" r:id="rId29"/>
+    <p:sldId id="287" r:id="rId30"/>
+    <p:sldId id="288" r:id="rId31"/>
+    <p:sldId id="289" r:id="rId32"/>
+    <p:sldId id="290" r:id="rId33"/>
   </p:sldIdLst>
   <p:sldSz cx="12192000" cy="6858000"/>
   <p:notesSz cx="6858000" cy="9144000"/>
@@ -6335,11 +6343,1007 @@
         </p:nvSpPr>
         <p:spPr/>
         <p:txBody>
+          <a:bodyPr>
+            <a:normAutofit/>
+          </a:bodyPr>
+          <a:p>
+            <a:r>
+              <a:rPr lang="zh-CN" altLang="en-US"/>
+              <a:t>内置数据源</a:t>
+            </a:r>
+            <a:r>
+              <a:rPr lang="en-US" altLang="zh-CN"/>
+              <a:t>(StreamingContext)</a:t>
+            </a:r>
+            <a:endParaRPr lang="en-US" altLang="zh-CN"/>
+          </a:p>
+          <a:p>
+            <a:pPr lvl="1"/>
+            <a:r>
+              <a:rPr lang="en-US" altLang="zh-CN"/>
+              <a:t>socketStream/rawSocketStream/socketTextStream</a:t>
+            </a:r>
+            <a:endParaRPr lang="en-US" altLang="zh-CN"/>
+          </a:p>
+          <a:p>
+            <a:pPr lvl="1"/>
+            <a:r>
+              <a:rPr lang="en-US" altLang="zh-CN"/>
+              <a:t>fileStream/textFileStream</a:t>
+            </a:r>
+            <a:endParaRPr lang="en-US" altLang="zh-CN"/>
+          </a:p>
+          <a:p>
+            <a:pPr lvl="1"/>
+            <a:r>
+              <a:rPr lang="en-US" altLang="zh-CN"/>
+              <a:t>receiverStream</a:t>
+            </a:r>
+            <a:endParaRPr lang="en-US" altLang="zh-CN"/>
+          </a:p>
+          <a:p>
+            <a:pPr lvl="1"/>
+            <a:r>
+              <a:rPr lang="zh-CN" altLang="en-US"/>
+              <a:t>其它</a:t>
+            </a:r>
+            <a:endParaRPr lang="zh-CN" altLang="en-US"/>
+          </a:p>
+          <a:p>
+            <a:r>
+              <a:rPr lang="zh-CN" altLang="en-US"/>
+              <a:t>外部 数据源</a:t>
+            </a:r>
+            <a:endParaRPr lang="zh-CN" altLang="en-US"/>
+          </a:p>
+          <a:p>
+            <a:pPr lvl="1"/>
+            <a:r>
+              <a:rPr lang="en-US" altLang="zh-CN"/>
+              <a:t>KafkaUtils</a:t>
+            </a:r>
+            <a:r>
+              <a:rPr lang="zh-CN" altLang="en-US"/>
+              <a:t>：</a:t>
+            </a:r>
+            <a:r>
+              <a:rPr lang="en-US" altLang="zh-CN"/>
+              <a:t>createStream/createDirectStream</a:t>
+            </a:r>
+            <a:endParaRPr lang="en-US" altLang="zh-CN"/>
+          </a:p>
+          <a:p>
+            <a:pPr lvl="1"/>
+            <a:r>
+              <a:rPr lang="en-US" altLang="zh-CN"/>
+              <a:t>FlumeUtils</a:t>
+            </a:r>
+            <a:r>
+              <a:rPr lang="zh-CN" altLang="en-US"/>
+              <a:t>：</a:t>
+            </a:r>
+            <a:r>
+              <a:rPr lang="en-US" altLang="zh-CN"/>
+              <a:t>createStream</a:t>
+            </a:r>
+            <a:endParaRPr lang="en-US" altLang="zh-CN"/>
+          </a:p>
+          <a:p>
+            <a:pPr lvl="1"/>
+            <a:r>
+              <a:rPr lang="en-US" altLang="zh-CN"/>
+              <a:t>MQTTUtils</a:t>
+            </a:r>
+            <a:r>
+              <a:rPr lang="zh-CN" altLang="en-US"/>
+              <a:t>：</a:t>
+            </a:r>
+            <a:r>
+              <a:rPr lang="en-US" altLang="zh-CN"/>
+              <a:t>createStream</a:t>
+            </a:r>
+            <a:endParaRPr lang="en-US" altLang="zh-CN"/>
+          </a:p>
+          <a:p>
+            <a:pPr lvl="1"/>
+            <a:r>
+              <a:rPr lang="en-US" altLang="zh-CN"/>
+              <a:t>TwitterUtils</a:t>
+            </a:r>
+            <a:r>
+              <a:rPr lang="zh-CN" altLang="en-US"/>
+              <a:t>：</a:t>
+            </a:r>
+            <a:r>
+              <a:rPr lang="en-US" altLang="zh-CN"/>
+              <a:t>createStream</a:t>
+            </a:r>
+            <a:endParaRPr lang="en-US" altLang="zh-CN"/>
+          </a:p>
+          <a:p>
+            <a:pPr lvl="1"/>
+            <a:r>
+              <a:rPr lang="en-US" altLang="zh-CN"/>
+              <a:t>ZeroMQUtils</a:t>
+            </a:r>
+            <a:r>
+              <a:rPr lang="zh-CN" altLang="en-US"/>
+              <a:t>：</a:t>
+            </a:r>
+            <a:r>
+              <a:rPr lang="en-US" altLang="zh-CN"/>
+              <a:t>createStream</a:t>
+            </a:r>
+            <a:endParaRPr lang="en-US" altLang="zh-CN"/>
+          </a:p>
+        </p:txBody>
+      </p:sp>
+    </p:spTree>
+    <p:custDataLst>
+      <p:tags r:id="rId1"/>
+    </p:custDataLst>
+  </p:cSld>
+  <p:clrMapOvr>
+    <a:masterClrMapping/>
+  </p:clrMapOvr>
+</p:sld>
+</file>
+
+<file path=ppt/slides/slide23.xml><?xml version="1.0" encoding="utf-8"?>
+<p:sld xmlns:a="http://schemas.openxmlformats.org/drawingml/2006/main" xmlns:r="http://schemas.openxmlformats.org/officeDocument/2006/relationships" xmlns:p="http://schemas.openxmlformats.org/presentationml/2006/main">
+  <p:cSld>
+    <p:spTree>
+      <p:nvGrpSpPr>
+        <p:cNvPr id="1" name=""/>
+        <p:cNvGrpSpPr/>
+        <p:nvPr/>
+      </p:nvGrpSpPr>
+      <p:grpSpPr/>
+      <p:sp>
+        <p:nvSpPr>
+          <p:cNvPr id="2" name="标题 1"/>
+          <p:cNvSpPr>
+            <a:spLocks noGrp="1"/>
+          </p:cNvSpPr>
+          <p:nvPr>
+            <p:ph type="title"/>
+          </p:nvPr>
+        </p:nvSpPr>
+        <p:spPr/>
+        <p:txBody>
           <a:bodyPr/>
           <a:p>
             <a:r>
               <a:rPr lang="zh-CN" altLang="en-US"/>
-              <a:t>内置</a:t>
+              <a:t>输入流</a:t>
+            </a:r>
+            <a:r>
+              <a:rPr lang="en-US" altLang="zh-CN"/>
+              <a:t>-textFileStream</a:t>
+            </a:r>
+            <a:endParaRPr lang="en-US" altLang="zh-CN"/>
+          </a:p>
+        </p:txBody>
+      </p:sp>
+      <p:sp>
+        <p:nvSpPr>
+          <p:cNvPr id="3" name="内容占位符 2"/>
+          <p:cNvSpPr>
+            <a:spLocks noGrp="1"/>
+          </p:cNvSpPr>
+          <p:nvPr>
+            <p:ph idx="1"/>
+          </p:nvPr>
+        </p:nvSpPr>
+        <p:spPr/>
+        <p:txBody>
+          <a:bodyPr/>
+          <a:p>
+            <a:r>
+              <a:rPr lang="zh-CN" altLang="en-US"/>
+              <a:t>将</a:t>
+            </a:r>
+            <a:r>
+              <a:rPr lang="en-US" altLang="zh-CN"/>
+              <a:t>HDFS</a:t>
+            </a:r>
+            <a:r>
+              <a:rPr lang="zh-CN" altLang="en-US"/>
+              <a:t>的目录作为流式数据源</a:t>
+            </a:r>
+            <a:endParaRPr lang="zh-CN" altLang="en-US"/>
+          </a:p>
+          <a:p>
+            <a:r>
+              <a:rPr lang="zh-CN" altLang="en-US"/>
+              <a:t>每隔固定周期扫描该目录，将新出现的文件当作本次</a:t>
+            </a:r>
+            <a:r>
+              <a:rPr lang="en-US" altLang="zh-CN"/>
+              <a:t>Batch</a:t>
+            </a:r>
+            <a:r>
+              <a:rPr lang="zh-CN" altLang="en-US"/>
+              <a:t>需要处理的数据</a:t>
+            </a:r>
+            <a:endParaRPr lang="zh-CN" altLang="en-US"/>
+          </a:p>
+          <a:p>
+            <a:r>
+              <a:rPr lang="zh-CN" altLang="en-US"/>
+              <a:t>输出是一个文本流，流中每一条记录代表了原始文件中的一个文本行</a:t>
+            </a:r>
+            <a:endParaRPr lang="zh-CN" altLang="en-US"/>
+          </a:p>
+          <a:p>
+            <a:r>
+              <a:rPr lang="zh-CN" altLang="en-US"/>
+              <a:t>注意事项：新文件最好通过</a:t>
+            </a:r>
+            <a:r>
+              <a:rPr lang="en-US" altLang="zh-CN"/>
+              <a:t>move</a:t>
+            </a:r>
+            <a:r>
+              <a:rPr lang="zh-CN" altLang="en-US"/>
+              <a:t>的方式移动到目录中</a:t>
+            </a:r>
+            <a:endParaRPr lang="zh-CN" altLang="en-US"/>
+          </a:p>
+          <a:p>
+            <a:r>
+              <a:rPr lang="zh-CN" altLang="en-US"/>
+              <a:t>应用场景：日志处理</a:t>
+            </a:r>
+            <a:endParaRPr lang="zh-CN" altLang="en-US"/>
+          </a:p>
+        </p:txBody>
+      </p:sp>
+    </p:spTree>
+    <p:custDataLst>
+      <p:tags r:id="rId1"/>
+    </p:custDataLst>
+  </p:cSld>
+  <p:clrMapOvr>
+    <a:masterClrMapping/>
+  </p:clrMapOvr>
+</p:sld>
+</file>
+
+<file path=ppt/slides/slide24.xml><?xml version="1.0" encoding="utf-8"?>
+<p:sld xmlns:a="http://schemas.openxmlformats.org/drawingml/2006/main" xmlns:r="http://schemas.openxmlformats.org/officeDocument/2006/relationships" xmlns:p="http://schemas.openxmlformats.org/presentationml/2006/main">
+  <p:cSld>
+    <p:spTree>
+      <p:nvGrpSpPr>
+        <p:cNvPr id="1" name=""/>
+        <p:cNvGrpSpPr/>
+        <p:nvPr/>
+      </p:nvGrpSpPr>
+      <p:grpSpPr/>
+      <p:sp>
+        <p:nvSpPr>
+          <p:cNvPr id="2" name="标题 1"/>
+          <p:cNvSpPr>
+            <a:spLocks noGrp="1"/>
+          </p:cNvSpPr>
+          <p:nvPr>
+            <p:ph type="title"/>
+          </p:nvPr>
+        </p:nvSpPr>
+        <p:spPr/>
+        <p:txBody>
+          <a:bodyPr/>
+          <a:p>
+            <a:r>
+              <a:rPr lang="zh-CN" altLang="en-US"/>
+              <a:t>流式转换</a:t>
+            </a:r>
+            <a:endParaRPr lang="zh-CN" altLang="en-US"/>
+          </a:p>
+        </p:txBody>
+      </p:sp>
+      <p:sp>
+        <p:nvSpPr>
+          <p:cNvPr id="3" name="内容占位符 2"/>
+          <p:cNvSpPr>
+            <a:spLocks noGrp="1"/>
+          </p:cNvSpPr>
+          <p:nvPr>
+            <p:ph idx="1"/>
+          </p:nvPr>
+        </p:nvSpPr>
+        <p:spPr/>
+        <p:txBody>
+          <a:bodyPr/>
+          <a:p>
+            <a:r>
+              <a:rPr lang="zh-CN" altLang="en-US"/>
+              <a:t>类</a:t>
+            </a:r>
+            <a:r>
+              <a:rPr lang="en-US" altLang="zh-CN"/>
+              <a:t>RDD</a:t>
+            </a:r>
+            <a:r>
+              <a:rPr lang="zh-CN" altLang="en-US"/>
+              <a:t>转换</a:t>
+            </a:r>
+            <a:endParaRPr lang="zh-CN" altLang="en-US"/>
+          </a:p>
+          <a:p>
+            <a:pPr lvl="1"/>
+            <a:r>
+              <a:rPr lang="en-US" altLang="zh-CN"/>
+              <a:t>map, flatMap, filter, reduce</a:t>
+            </a:r>
+            <a:endParaRPr lang="en-US" altLang="zh-CN"/>
+          </a:p>
+          <a:p>
+            <a:pPr lvl="1"/>
+            <a:r>
+              <a:rPr lang="en-US" altLang="zh-CN"/>
+              <a:t>groupByKey, reduceByKey, sortByKey, join, etc</a:t>
+            </a:r>
+            <a:endParaRPr lang="en-US" altLang="zh-CN"/>
+          </a:p>
+          <a:p>
+            <a:pPr lvl="1"/>
+            <a:r>
+              <a:rPr lang="en-US" altLang="zh-CN"/>
+              <a:t>count</a:t>
+            </a:r>
+            <a:endParaRPr lang="en-US" altLang="zh-CN"/>
+          </a:p>
+          <a:p>
+            <a:r>
+              <a:rPr lang="en-US" altLang="zh-CN"/>
+              <a:t>Streaming</a:t>
+            </a:r>
+            <a:r>
+              <a:rPr lang="zh-CN" altLang="en-US"/>
+              <a:t>独有转换</a:t>
+            </a:r>
+            <a:endParaRPr lang="zh-CN" altLang="en-US"/>
+          </a:p>
+          <a:p>
+            <a:pPr lvl="1"/>
+            <a:r>
+              <a:rPr lang="en-US" altLang="zh-CN"/>
+              <a:t>window</a:t>
+            </a:r>
+            <a:endParaRPr lang="en-US" altLang="zh-CN"/>
+          </a:p>
+          <a:p>
+            <a:pPr lvl="1"/>
+            <a:r>
+              <a:rPr lang="en-US" altLang="zh-CN"/>
+              <a:t>mapWithState</a:t>
+            </a:r>
+            <a:endParaRPr lang="en-US" altLang="zh-CN"/>
+          </a:p>
+          <a:p>
+            <a:pPr lvl="1"/>
+            <a:r>
+              <a:rPr lang="en-US" altLang="zh-CN"/>
+              <a:t>transform</a:t>
+            </a:r>
+            <a:endParaRPr lang="en-US" altLang="zh-CN"/>
+          </a:p>
+        </p:txBody>
+      </p:sp>
+    </p:spTree>
+    <p:custDataLst>
+      <p:tags r:id="rId1"/>
+    </p:custDataLst>
+  </p:cSld>
+  <p:clrMapOvr>
+    <a:masterClrMapping/>
+  </p:clrMapOvr>
+</p:sld>
+</file>
+
+<file path=ppt/slides/slide25.xml><?xml version="1.0" encoding="utf-8"?>
+<p:sld xmlns:a="http://schemas.openxmlformats.org/drawingml/2006/main" xmlns:r="http://schemas.openxmlformats.org/officeDocument/2006/relationships" xmlns:p="http://schemas.openxmlformats.org/presentationml/2006/main">
+  <p:cSld>
+    <p:spTree>
+      <p:nvGrpSpPr>
+        <p:cNvPr id="1" name=""/>
+        <p:cNvGrpSpPr/>
+        <p:nvPr/>
+      </p:nvGrpSpPr>
+      <p:grpSpPr/>
+      <p:sp>
+        <p:nvSpPr>
+          <p:cNvPr id="2" name="标题 1"/>
+          <p:cNvSpPr>
+            <a:spLocks noGrp="1"/>
+          </p:cNvSpPr>
+          <p:nvPr>
+            <p:ph type="title"/>
+          </p:nvPr>
+        </p:nvSpPr>
+        <p:spPr/>
+        <p:txBody>
+          <a:bodyPr/>
+          <a:p>
+            <a:r>
+              <a:rPr lang="en-US" altLang="zh-CN"/>
+              <a:t>window</a:t>
+            </a:r>
+            <a:endParaRPr lang="en-US" altLang="zh-CN"/>
+          </a:p>
+        </p:txBody>
+      </p:sp>
+      <p:sp>
+        <p:nvSpPr>
+          <p:cNvPr id="3" name="内容占位符 2"/>
+          <p:cNvSpPr>
+            <a:spLocks noGrp="1"/>
+          </p:cNvSpPr>
+          <p:nvPr>
+            <p:ph idx="1"/>
+          </p:nvPr>
+        </p:nvSpPr>
+        <p:spPr/>
+        <p:txBody>
+          <a:bodyPr/>
+          <a:p>
+            <a:pPr marL="0" indent="0">
+              <a:buNone/>
+            </a:pPr>
+            <a:r>
+              <a:rPr lang="en-US" altLang="zh-CN"/>
+              <a:t>val windowStream = origionDStream.window(Seconds(3),Seconds(2))</a:t>
+            </a:r>
+            <a:endParaRPr lang="en-US" altLang="zh-CN"/>
+          </a:p>
+        </p:txBody>
+      </p:sp>
+      <p:pic>
+        <p:nvPicPr>
+          <p:cNvPr id="4" name="图片 3"/>
+          <p:cNvPicPr>
+            <a:picLocks noChangeAspect="1"/>
+          </p:cNvPicPr>
+          <p:nvPr/>
+        </p:nvPicPr>
+        <p:blipFill>
+          <a:blip r:embed="rId1"/>
+          <a:stretch>
+            <a:fillRect/>
+          </a:stretch>
+        </p:blipFill>
+        <p:spPr>
+          <a:xfrm>
+            <a:off x="1068070" y="2757170"/>
+            <a:ext cx="9379585" cy="2484120"/>
+          </a:xfrm>
+          <a:prstGeom prst="rect">
+            <a:avLst/>
+          </a:prstGeom>
+        </p:spPr>
+      </p:pic>
+    </p:spTree>
+    <p:custDataLst>
+      <p:tags r:id="rId2"/>
+    </p:custDataLst>
+  </p:cSld>
+  <p:clrMapOvr>
+    <a:masterClrMapping/>
+  </p:clrMapOvr>
+</p:sld>
+</file>
+
+<file path=ppt/slides/slide26.xml><?xml version="1.0" encoding="utf-8"?>
+<p:sld xmlns:a="http://schemas.openxmlformats.org/drawingml/2006/main" xmlns:r="http://schemas.openxmlformats.org/officeDocument/2006/relationships" xmlns:p="http://schemas.openxmlformats.org/presentationml/2006/main">
+  <p:cSld>
+    <p:spTree>
+      <p:nvGrpSpPr>
+        <p:cNvPr id="1" name=""/>
+        <p:cNvGrpSpPr/>
+        <p:nvPr/>
+      </p:nvGrpSpPr>
+      <p:grpSpPr/>
+      <p:sp>
+        <p:nvSpPr>
+          <p:cNvPr id="2" name="标题 1"/>
+          <p:cNvSpPr>
+            <a:spLocks noGrp="1"/>
+          </p:cNvSpPr>
+          <p:nvPr>
+            <p:ph type="title"/>
+          </p:nvPr>
+        </p:nvSpPr>
+        <p:spPr/>
+        <p:txBody>
+          <a:bodyPr/>
+          <a:p>
+            <a:r>
+              <a:rPr lang="en-US" altLang="zh-CN"/>
+              <a:t>mapWithState</a:t>
+            </a:r>
+            <a:endParaRPr lang="en-US" altLang="zh-CN"/>
+          </a:p>
+        </p:txBody>
+      </p:sp>
+      <p:sp>
+        <p:nvSpPr>
+          <p:cNvPr id="3" name="内容占位符 2"/>
+          <p:cNvSpPr>
+            <a:spLocks noGrp="1"/>
+          </p:cNvSpPr>
+          <p:nvPr>
+            <p:ph idx="1"/>
+          </p:nvPr>
+        </p:nvSpPr>
+        <p:spPr/>
+        <p:txBody>
+          <a:bodyPr/>
+          <a:p>
+            <a:r>
+              <a:rPr lang="zh-CN" altLang="en-US"/>
+              <a:t>由</a:t>
+            </a:r>
+            <a:r>
+              <a:rPr lang="en-US" altLang="zh-CN"/>
+              <a:t>Spark Streaming</a:t>
+            </a:r>
+            <a:r>
+              <a:rPr lang="zh-CN" altLang="en-US"/>
+              <a:t>自己维护历史状态信息</a:t>
+            </a:r>
+            <a:endParaRPr lang="zh-CN" altLang="en-US"/>
+          </a:p>
+          <a:p>
+            <a:r>
+              <a:rPr lang="zh-CN" altLang="en-US"/>
+              <a:t>而不是借助外部存储系统，比如</a:t>
+            </a:r>
+            <a:r>
+              <a:rPr lang="en-US" altLang="zh-CN"/>
+              <a:t>redis</a:t>
+            </a:r>
+            <a:endParaRPr lang="en-US" altLang="zh-CN"/>
+          </a:p>
+          <a:p>
+            <a:pPr marL="0" indent="0">
+              <a:buNone/>
+            </a:pPr>
+            <a:endParaRPr lang="en-US" altLang="zh-CN"/>
+          </a:p>
+        </p:txBody>
+      </p:sp>
+      <p:pic>
+        <p:nvPicPr>
+          <p:cNvPr id="4" name="图片 3"/>
+          <p:cNvPicPr>
+            <a:picLocks noChangeAspect="1"/>
+          </p:cNvPicPr>
+          <p:nvPr/>
+        </p:nvPicPr>
+        <p:blipFill>
+          <a:blip r:embed="rId1"/>
+          <a:stretch>
+            <a:fillRect/>
+          </a:stretch>
+        </p:blipFill>
+        <p:spPr>
+          <a:xfrm>
+            <a:off x="939165" y="2781935"/>
+            <a:ext cx="8548370" cy="3562350"/>
+          </a:xfrm>
+          <a:prstGeom prst="rect">
+            <a:avLst/>
+          </a:prstGeom>
+        </p:spPr>
+      </p:pic>
+    </p:spTree>
+    <p:custDataLst>
+      <p:tags r:id="rId2"/>
+    </p:custDataLst>
+  </p:cSld>
+  <p:clrMapOvr>
+    <a:masterClrMapping/>
+  </p:clrMapOvr>
+</p:sld>
+</file>
+
+<file path=ppt/slides/slide27.xml><?xml version="1.0" encoding="utf-8"?>
+<p:sld xmlns:a="http://schemas.openxmlformats.org/drawingml/2006/main" xmlns:r="http://schemas.openxmlformats.org/officeDocument/2006/relationships" xmlns:p="http://schemas.openxmlformats.org/presentationml/2006/main">
+  <p:cSld>
+    <p:spTree>
+      <p:nvGrpSpPr>
+        <p:cNvPr id="1" name=""/>
+        <p:cNvGrpSpPr/>
+        <p:nvPr/>
+      </p:nvGrpSpPr>
+      <p:grpSpPr/>
+      <p:sp>
+        <p:nvSpPr>
+          <p:cNvPr id="2" name="标题 1"/>
+          <p:cNvSpPr>
+            <a:spLocks noGrp="1"/>
+          </p:cNvSpPr>
+          <p:nvPr>
+            <p:ph type="title"/>
+          </p:nvPr>
+        </p:nvSpPr>
+        <p:spPr/>
+        <p:txBody>
+          <a:bodyPr/>
+          <a:p>
+            <a:r>
+              <a:rPr lang="en-US" altLang="zh-CN"/>
+              <a:t>transform</a:t>
+            </a:r>
+            <a:endParaRPr lang="en-US" altLang="zh-CN"/>
+          </a:p>
+        </p:txBody>
+      </p:sp>
+      <p:sp>
+        <p:nvSpPr>
+          <p:cNvPr id="3" name="内容占位符 2"/>
+          <p:cNvSpPr>
+            <a:spLocks noGrp="1"/>
+          </p:cNvSpPr>
+          <p:nvPr>
+            <p:ph idx="1"/>
+          </p:nvPr>
+        </p:nvSpPr>
+        <p:spPr/>
+        <p:txBody>
+          <a:bodyPr/>
+          <a:p>
+            <a:r>
+              <a:rPr lang="zh-CN" altLang="en-US"/>
+              <a:t>将</a:t>
+            </a:r>
+            <a:r>
+              <a:rPr lang="en-US" altLang="zh-CN"/>
+              <a:t>DStream</a:t>
+            </a:r>
+            <a:r>
+              <a:rPr lang="zh-CN" altLang="en-US"/>
+              <a:t>的每个</a:t>
+            </a:r>
+            <a:r>
+              <a:rPr lang="en-US" altLang="zh-CN"/>
+              <a:t>RDD</a:t>
+            </a:r>
+            <a:r>
+              <a:rPr lang="zh-CN" altLang="en-US"/>
+              <a:t>转变为另外一个</a:t>
+            </a:r>
+            <a:r>
+              <a:rPr lang="en-US" altLang="zh-CN"/>
+              <a:t>RDD</a:t>
+            </a:r>
+            <a:endParaRPr lang="en-US" altLang="zh-CN"/>
+          </a:p>
+          <a:p>
+            <a:pPr lvl="1"/>
+            <a:r>
+              <a:rPr lang="zh-CN" altLang="en-US"/>
+              <a:t>例子：</a:t>
+            </a:r>
+            <a:r>
+              <a:rPr lang="en-US" altLang="zh-CN"/>
+              <a:t>dstream.transform{rdd=&gt;rdd.map(_+1).reduce}</a:t>
+            </a:r>
+            <a:endParaRPr lang="en-US" altLang="zh-CN"/>
+          </a:p>
+          <a:p>
+            <a:r>
+              <a:rPr lang="zh-CN" altLang="en-US"/>
+              <a:t>定制化计算</a:t>
+            </a:r>
+            <a:endParaRPr lang="zh-CN" altLang="en-US"/>
+          </a:p>
+          <a:p>
+            <a:r>
+              <a:rPr lang="zh-CN" altLang="en-US"/>
+              <a:t>应用场景：</a:t>
+            </a:r>
+            <a:endParaRPr lang="zh-CN" altLang="en-US"/>
+          </a:p>
+          <a:p>
+            <a:pPr lvl="1"/>
+            <a:r>
+              <a:rPr lang="zh-CN" altLang="en-US"/>
+              <a:t>实现其它的算子，例如</a:t>
+            </a:r>
+            <a:r>
+              <a:rPr lang="en-US" altLang="zh-CN"/>
+              <a:t>repartition, join</a:t>
+            </a:r>
+            <a:endParaRPr lang="en-US" altLang="zh-CN"/>
+          </a:p>
+          <a:p>
+            <a:pPr lvl="1"/>
+            <a:r>
+              <a:rPr lang="zh-CN" altLang="en-US"/>
+              <a:t>实现</a:t>
+            </a:r>
+            <a:r>
+              <a:rPr lang="en-US" altLang="zh-CN"/>
+              <a:t>DStream</a:t>
+            </a:r>
+            <a:r>
+              <a:rPr lang="zh-CN" altLang="en-US"/>
+              <a:t>和外部数据交互，例如和外部数据</a:t>
+            </a:r>
+            <a:r>
+              <a:rPr lang="en-US" altLang="zh-CN"/>
+              <a:t>join</a:t>
+            </a:r>
+            <a:endParaRPr lang="en-US" altLang="zh-CN"/>
+          </a:p>
+        </p:txBody>
+      </p:sp>
+    </p:spTree>
+    <p:custDataLst>
+      <p:tags r:id="rId1"/>
+    </p:custDataLst>
+  </p:cSld>
+  <p:clrMapOvr>
+    <a:masterClrMapping/>
+  </p:clrMapOvr>
+</p:sld>
+</file>
+
+<file path=ppt/slides/slide28.xml><?xml version="1.0" encoding="utf-8"?>
+<p:sld xmlns:a="http://schemas.openxmlformats.org/drawingml/2006/main" xmlns:r="http://schemas.openxmlformats.org/officeDocument/2006/relationships" xmlns:p="http://schemas.openxmlformats.org/presentationml/2006/main">
+  <p:cSld>
+    <p:spTree>
+      <p:nvGrpSpPr>
+        <p:cNvPr id="1" name=""/>
+        <p:cNvGrpSpPr/>
+        <p:nvPr/>
+      </p:nvGrpSpPr>
+      <p:grpSpPr/>
+      <p:sp>
+        <p:nvSpPr>
+          <p:cNvPr id="2" name="标题 1"/>
+          <p:cNvSpPr>
+            <a:spLocks noGrp="1"/>
+          </p:cNvSpPr>
+          <p:nvPr>
+            <p:ph type="title"/>
+          </p:nvPr>
+        </p:nvSpPr>
+        <p:spPr/>
+        <p:txBody>
+          <a:bodyPr/>
+          <a:p>
+            <a:r>
+              <a:rPr lang="zh-CN" altLang="en-US"/>
+              <a:t>输出流</a:t>
+            </a:r>
+            <a:endParaRPr lang="zh-CN" altLang="en-US"/>
+          </a:p>
+        </p:txBody>
+      </p:sp>
+      <p:sp>
+        <p:nvSpPr>
+          <p:cNvPr id="3" name="内容占位符 2"/>
+          <p:cNvSpPr>
+            <a:spLocks noGrp="1"/>
+          </p:cNvSpPr>
+          <p:nvPr>
+            <p:ph idx="1"/>
+          </p:nvPr>
+        </p:nvSpPr>
+        <p:spPr/>
+        <p:txBody>
+          <a:bodyPr/>
+          <a:p>
+            <a:r>
+              <a:rPr lang="zh-CN" altLang="en-US"/>
+              <a:t>将处理过的数据输出到外部系统</a:t>
+            </a:r>
+            <a:endParaRPr lang="zh-CN" altLang="en-US"/>
+          </a:p>
+          <a:p>
+            <a:pPr lvl="1"/>
+            <a:r>
+              <a:rPr lang="zh-CN" altLang="en-US"/>
+              <a:t>不叫</a:t>
+            </a:r>
+            <a:r>
+              <a:rPr lang="en-US" altLang="zh-CN"/>
+              <a:t>“action</a:t>
+            </a:r>
+            <a:r>
+              <a:rPr lang="en-US" altLang="zh-CN"/>
+              <a:t>”</a:t>
+            </a:r>
+            <a:endParaRPr lang="en-US" altLang="zh-CN"/>
+          </a:p>
+          <a:p>
+            <a:r>
+              <a:rPr lang="zh-CN" altLang="en-US"/>
+              <a:t>内置输出</a:t>
+            </a:r>
+            <a:endParaRPr lang="zh-CN" altLang="en-US"/>
+          </a:p>
+          <a:p>
+            <a:pPr lvl="1"/>
+            <a:r>
+              <a:rPr lang="en-US" altLang="zh-CN"/>
+              <a:t>print</a:t>
+            </a:r>
+            <a:endParaRPr lang="en-US" altLang="zh-CN"/>
+          </a:p>
+          <a:p>
+            <a:pPr lvl="1"/>
+            <a:r>
+              <a:rPr lang="en-US" altLang="zh-CN"/>
+              <a:t>saveAsTextFiles/saveAsObjectFiles/saveAsHadoopFiles</a:t>
+            </a:r>
+            <a:endParaRPr lang="en-US" altLang="zh-CN"/>
+          </a:p>
+          <a:p>
+            <a:r>
+              <a:rPr lang="zh-CN" altLang="en-US"/>
+              <a:t>自定义输出</a:t>
+            </a:r>
+            <a:endParaRPr lang="zh-CN" altLang="en-US"/>
+          </a:p>
+          <a:p>
+            <a:pPr lvl="1"/>
+            <a:r>
+              <a:rPr lang="en-US" altLang="zh-CN"/>
+              <a:t>foreachRDD</a:t>
+            </a:r>
+            <a:endParaRPr lang="en-US" altLang="zh-CN"/>
+          </a:p>
+        </p:txBody>
+      </p:sp>
+    </p:spTree>
+    <p:custDataLst>
+      <p:tags r:id="rId1"/>
+    </p:custDataLst>
+  </p:cSld>
+  <p:clrMapOvr>
+    <a:masterClrMapping/>
+  </p:clrMapOvr>
+</p:sld>
+</file>
+
+<file path=ppt/slides/slide29.xml><?xml version="1.0" encoding="utf-8"?>
+<p:sld xmlns:a="http://schemas.openxmlformats.org/drawingml/2006/main" xmlns:r="http://schemas.openxmlformats.org/officeDocument/2006/relationships" xmlns:p="http://schemas.openxmlformats.org/presentationml/2006/main">
+  <p:cSld>
+    <p:spTree>
+      <p:nvGrpSpPr>
+        <p:cNvPr id="1" name=""/>
+        <p:cNvGrpSpPr/>
+        <p:nvPr/>
+      </p:nvGrpSpPr>
+      <p:grpSpPr/>
+      <p:sp>
+        <p:nvSpPr>
+          <p:cNvPr id="2" name="标题 1"/>
+          <p:cNvSpPr>
+            <a:spLocks noGrp="1"/>
+          </p:cNvSpPr>
+          <p:nvPr>
+            <p:ph type="title"/>
+          </p:nvPr>
+        </p:nvSpPr>
+        <p:spPr/>
+        <p:txBody>
+          <a:bodyPr/>
+          <a:p>
+            <a:r>
+              <a:rPr lang="en-US" altLang="zh-CN"/>
+              <a:t>foreachRDD</a:t>
+            </a:r>
+            <a:endParaRPr lang="en-US" altLang="zh-CN"/>
+          </a:p>
+        </p:txBody>
+      </p:sp>
+      <p:sp>
+        <p:nvSpPr>
+          <p:cNvPr id="3" name="内容占位符 2"/>
+          <p:cNvSpPr>
+            <a:spLocks noGrp="1"/>
+          </p:cNvSpPr>
+          <p:nvPr>
+            <p:ph idx="1"/>
+          </p:nvPr>
+        </p:nvSpPr>
+        <p:spPr/>
+        <p:txBody>
+          <a:bodyPr/>
+          <a:p>
+            <a:r>
+              <a:rPr lang="zh-CN" altLang="en-US"/>
+              <a:t>输出参数：</a:t>
+            </a:r>
+            <a:r>
+              <a:rPr lang="en-US" altLang="zh-CN"/>
+              <a:t>foreachFunc</a:t>
+            </a:r>
+            <a:r>
+              <a:rPr lang="zh-CN" altLang="en-US"/>
+              <a:t>：</a:t>
+            </a:r>
+            <a:r>
+              <a:rPr lang="en-US" altLang="zh-CN"/>
+              <a:t>RDD[T]=&gt;Unit</a:t>
+            </a:r>
+            <a:endParaRPr lang="en-US" altLang="zh-CN"/>
+          </a:p>
+          <a:p>
+            <a:r>
+              <a:rPr lang="zh-CN" altLang="en-US"/>
+              <a:t>每个</a:t>
+            </a:r>
+            <a:r>
+              <a:rPr lang="en-US" altLang="zh-CN"/>
+              <a:t>Batch</a:t>
+            </a:r>
+            <a:r>
+              <a:rPr lang="zh-CN" altLang="en-US"/>
+              <a:t>间隔都执行一次该函数</a:t>
+            </a:r>
+            <a:endParaRPr lang="zh-CN" altLang="en-US"/>
+          </a:p>
+          <a:p>
+            <a:r>
+              <a:rPr lang="zh-CN" altLang="en-US"/>
+              <a:t>函数中可以执行各种操作</a:t>
+            </a:r>
+            <a:endParaRPr lang="zh-CN" altLang="en-US"/>
+          </a:p>
+          <a:p>
+            <a:r>
+              <a:rPr lang="zh-CN" altLang="en-US"/>
+              <a:t>应用场景：</a:t>
+            </a:r>
+            <a:endParaRPr lang="zh-CN" altLang="en-US"/>
+          </a:p>
+          <a:p>
+            <a:pPr lvl="1"/>
+            <a:r>
+              <a:rPr lang="zh-CN" altLang="en-US"/>
+              <a:t>实现其它算子，如</a:t>
+            </a:r>
+            <a:r>
+              <a:rPr lang="en-US" altLang="zh-CN"/>
+              <a:t>print</a:t>
+            </a:r>
+            <a:endParaRPr lang="en-US" altLang="zh-CN"/>
+          </a:p>
+          <a:p>
+            <a:pPr lvl="1"/>
+            <a:r>
+              <a:rPr lang="zh-CN" altLang="en-US"/>
+              <a:t>更新外部存储如</a:t>
+            </a:r>
+            <a:r>
+              <a:rPr lang="en-US" altLang="zh-CN"/>
+              <a:t>redis</a:t>
+            </a:r>
+            <a:r>
+              <a:rPr lang="zh-CN" altLang="en-US"/>
+              <a:t>， </a:t>
+            </a:r>
+            <a:r>
+              <a:rPr lang="en-US" altLang="zh-CN"/>
+              <a:t>hbase</a:t>
+            </a:r>
+            <a:r>
+              <a:rPr lang="zh-CN" altLang="en-US"/>
+              <a:t>等</a:t>
+            </a:r>
+            <a:endParaRPr lang="zh-CN" altLang="en-US"/>
+          </a:p>
+          <a:p>
+            <a:pPr lvl="1"/>
+            <a:r>
+              <a:rPr lang="zh-CN" altLang="en-US"/>
+              <a:t>更新内部 缓存</a:t>
             </a:r>
             <a:endParaRPr lang="zh-CN" altLang="en-US"/>
           </a:p>
@@ -6628,6 +7632,75 @@
     </p:spTree>
     <p:custDataLst>
       <p:tags r:id="rId4"/>
+    </p:custDataLst>
+  </p:cSld>
+  <p:clrMapOvr>
+    <a:masterClrMapping/>
+  </p:clrMapOvr>
+</p:sld>
+</file>
+
+<file path=ppt/slides/slide30.xml><?xml version="1.0" encoding="utf-8"?>
+<p:sld xmlns:a="http://schemas.openxmlformats.org/drawingml/2006/main" xmlns:r="http://schemas.openxmlformats.org/officeDocument/2006/relationships" xmlns:p="http://schemas.openxmlformats.org/presentationml/2006/main">
+  <p:cSld>
+    <p:spTree>
+      <p:nvGrpSpPr>
+        <p:cNvPr id="1" name=""/>
+        <p:cNvGrpSpPr/>
+        <p:nvPr/>
+      </p:nvGrpSpPr>
+      <p:grpSpPr/>
+      <p:sp>
+        <p:nvSpPr>
+          <p:cNvPr id="2" name="标题 1"/>
+          <p:cNvSpPr>
+            <a:spLocks noGrp="1"/>
+          </p:cNvSpPr>
+          <p:nvPr>
+            <p:ph type="title"/>
+          </p:nvPr>
+        </p:nvSpPr>
+        <p:spPr/>
+        <p:txBody>
+          <a:bodyPr/>
+          <a:p>
+            <a:r>
+              <a:rPr lang="zh-CN" altLang="en-US"/>
+              <a:t>将结果保存到</a:t>
+            </a:r>
+            <a:r>
+              <a:rPr lang="en-US" altLang="zh-CN"/>
+              <a:t>Hbase</a:t>
+            </a:r>
+            <a:r>
+              <a:rPr lang="zh-CN" altLang="en-US"/>
+              <a:t>中</a:t>
+            </a:r>
+            <a:endParaRPr lang="zh-CN" altLang="en-US"/>
+          </a:p>
+        </p:txBody>
+      </p:sp>
+      <p:sp>
+        <p:nvSpPr>
+          <p:cNvPr id="3" name="内容占位符 2"/>
+          <p:cNvSpPr>
+            <a:spLocks noGrp="1"/>
+          </p:cNvSpPr>
+          <p:nvPr>
+            <p:ph idx="1"/>
+          </p:nvPr>
+        </p:nvSpPr>
+        <p:spPr/>
+        <p:txBody>
+          <a:bodyPr/>
+          <a:p>
+            <a:endParaRPr lang="zh-CN" altLang="en-US"/>
+          </a:p>
+        </p:txBody>
+      </p:sp>
+    </p:spTree>
+    <p:custDataLst>
+      <p:tags r:id="rId1"/>
     </p:custDataLst>
   </p:cSld>
   <p:clrMapOvr>
@@ -7948,9 +9021,73 @@
 </p:tagLst>
 </file>
 
+<file path=ppt/tags/tag37.xml><?xml version="1.0" encoding="utf-8"?>
+<p:tagLst xmlns:p="http://schemas.openxmlformats.org/presentationml/2006/main">
+  <p:tag name="KSO_WM_BEAUTIFY_FLAG" val="#wm#"/>
+  <p:tag name="KSO_WM_TEMPLATE_CATEGORY" val="custom"/>
+  <p:tag name="KSO_WM_TEMPLATE_INDEX" val="160539"/>
+</p:tagLst>
+</file>
+
+<file path=ppt/tags/tag38.xml><?xml version="1.0" encoding="utf-8"?>
+<p:tagLst xmlns:p="http://schemas.openxmlformats.org/presentationml/2006/main">
+  <p:tag name="KSO_WM_BEAUTIFY_FLAG" val="#wm#"/>
+  <p:tag name="KSO_WM_TEMPLATE_CATEGORY" val="custom"/>
+  <p:tag name="KSO_WM_TEMPLATE_INDEX" val="160539"/>
+</p:tagLst>
+</file>
+
+<file path=ppt/tags/tag39.xml><?xml version="1.0" encoding="utf-8"?>
+<p:tagLst xmlns:p="http://schemas.openxmlformats.org/presentationml/2006/main">
+  <p:tag name="KSO_WM_BEAUTIFY_FLAG" val="#wm#"/>
+  <p:tag name="KSO_WM_TEMPLATE_CATEGORY" val="custom"/>
+  <p:tag name="KSO_WM_TEMPLATE_INDEX" val="160539"/>
+</p:tagLst>
+</file>
+
 <file path=ppt/tags/tag4.xml><?xml version="1.0" encoding="utf-8"?>
 <p:tagLst xmlns:p="http://schemas.openxmlformats.org/presentationml/2006/main">
   <p:tag name="KSO_WM_TAG_VERSION" val="1.0"/>
+  <p:tag name="KSO_WM_TEMPLATE_CATEGORY" val="custom"/>
+  <p:tag name="KSO_WM_TEMPLATE_INDEX" val="160539"/>
+</p:tagLst>
+</file>
+
+<file path=ppt/tags/tag40.xml><?xml version="1.0" encoding="utf-8"?>
+<p:tagLst xmlns:p="http://schemas.openxmlformats.org/presentationml/2006/main">
+  <p:tag name="KSO_WM_BEAUTIFY_FLAG" val="#wm#"/>
+  <p:tag name="KSO_WM_TEMPLATE_CATEGORY" val="custom"/>
+  <p:tag name="KSO_WM_TEMPLATE_INDEX" val="160539"/>
+</p:tagLst>
+</file>
+
+<file path=ppt/tags/tag41.xml><?xml version="1.0" encoding="utf-8"?>
+<p:tagLst xmlns:p="http://schemas.openxmlformats.org/presentationml/2006/main">
+  <p:tag name="KSO_WM_BEAUTIFY_FLAG" val="#wm#"/>
+  <p:tag name="KSO_WM_TEMPLATE_CATEGORY" val="custom"/>
+  <p:tag name="KSO_WM_TEMPLATE_INDEX" val="160539"/>
+</p:tagLst>
+</file>
+
+<file path=ppt/tags/tag42.xml><?xml version="1.0" encoding="utf-8"?>
+<p:tagLst xmlns:p="http://schemas.openxmlformats.org/presentationml/2006/main">
+  <p:tag name="KSO_WM_BEAUTIFY_FLAG" val="#wm#"/>
+  <p:tag name="KSO_WM_TEMPLATE_CATEGORY" val="custom"/>
+  <p:tag name="KSO_WM_TEMPLATE_INDEX" val="160539"/>
+</p:tagLst>
+</file>
+
+<file path=ppt/tags/tag43.xml><?xml version="1.0" encoding="utf-8"?>
+<p:tagLst xmlns:p="http://schemas.openxmlformats.org/presentationml/2006/main">
+  <p:tag name="KSO_WM_BEAUTIFY_FLAG" val="#wm#"/>
+  <p:tag name="KSO_WM_TEMPLATE_CATEGORY" val="custom"/>
+  <p:tag name="KSO_WM_TEMPLATE_INDEX" val="160539"/>
+</p:tagLst>
+</file>
+
+<file path=ppt/tags/tag44.xml><?xml version="1.0" encoding="utf-8"?>
+<p:tagLst xmlns:p="http://schemas.openxmlformats.org/presentationml/2006/main">
+  <p:tag name="KSO_WM_BEAUTIFY_FLAG" val="#wm#"/>
   <p:tag name="KSO_WM_TEMPLATE_CATEGORY" val="custom"/>
   <p:tag name="KSO_WM_TEMPLATE_INDEX" val="160539"/>
 </p:tagLst>

--- a/cusppt/spark.pptx
+++ b/cusppt/spark.pptx
@@ -7151,11 +7151,7 @@
             </a:r>
             <a:r>
               <a:rPr lang="en-US" altLang="zh-CN"/>
-              <a:t>“action</a:t>
-            </a:r>
-            <a:r>
-              <a:rPr lang="en-US" altLang="zh-CN"/>
-              <a:t>”</a:t>
+              <a:t>“action”</a:t>
             </a:r>
             <a:endParaRPr lang="en-US" altLang="zh-CN"/>
           </a:p>
@@ -8429,7 +8425,11 @@
             <a:pPr lvl="1"/>
             <a:r>
               <a:rPr lang="zh-CN" altLang="en-US"/>
-              <a:t>内部数据由类型，需要由用户定义</a:t>
+              <a:t>内部数据有</a:t>
+            </a:r>
+            <a:r>
+              <a:rPr lang="zh-CN" altLang="en-US"/>
+              <a:t>类型，需要由用户定义</a:t>
             </a:r>
             <a:endParaRPr lang="zh-CN" altLang="en-US"/>
           </a:p>
